--- a/#5_Python_Control_Flow_Statements.pptx
+++ b/#5_Python_Control_Flow_Statements.pptx
@@ -319,7 +319,7 @@
                 <a:ea typeface="SimSun" panose="02010600030101010101" pitchFamily="2" charset="-122"/>
                 <a:cs typeface="+mn-cs"/>
               </a:rPr>
-              <a:t>2020/11/24</a:t>
+              <a:t>2020/11/26</a:t>
             </a:fld>
             <a:endParaRPr lang="zh-CN" altLang="en-US" strike="noStrike" noProof="1"/>
           </a:p>
@@ -10929,14 +10929,14 @@
       </p:sp>
       <p:sp>
         <p:nvSpPr>
-          <p:cNvPr id="11" name="Rectangle 10"/>
+          <p:cNvPr id="12" name="Rectangle 11"/>
           <p:cNvSpPr/>
           <p:nvPr/>
         </p:nvSpPr>
         <p:spPr>
           <a:xfrm>
-            <a:off x="9428767" y="6452165"/>
-            <a:ext cx="2350195" cy="646331"/>
+            <a:off x="8262719" y="6452165"/>
+            <a:ext cx="3929281" cy="369332"/>
           </a:xfrm>
           <a:prstGeom prst="rect">
             <a:avLst/>
@@ -10948,19 +10948,14 @@
           </a:bodyPr>
           <a:lstStyle/>
           <a:p>
+            <a:pPr algn="ctr"/>
             <a:r>
               <a:rPr lang="en-US" dirty="0">
                 <a:latin typeface="Verdana" panose="020B0604030504040204" pitchFamily="34" charset="0"/>
                 <a:ea typeface="Verdana" panose="020B0604030504040204" pitchFamily="34" charset="0"/>
               </a:rPr>
-              <a:t>Python Data Types</a:t>
+              <a:t>Python Control Flow Statements</a:t>
             </a:r>
-          </a:p>
-          <a:p>
-            <a:endParaRPr lang="en-US" dirty="0">
-              <a:latin typeface="Verdana" panose="020B0604030504040204" pitchFamily="34" charset="0"/>
-              <a:ea typeface="Verdana" panose="020B0604030504040204" pitchFamily="34" charset="0"/>
-            </a:endParaRPr>
           </a:p>
         </p:txBody>
       </p:sp>
